--- a/other/The Player.pptx
+++ b/other/The Player.pptx
@@ -4199,8 +4199,8 @@
         </p:nvSpPr>
         <p:spPr>
           <a:xfrm>
-            <a:off x="640080" y="2872899"/>
-            <a:ext cx="4243589" cy="2322497"/>
+            <a:off x="640080" y="3101499"/>
+            <a:ext cx="4243589" cy="1956841"/>
           </a:xfrm>
         </p:spPr>
         <p:txBody>
@@ -4209,22 +4209,18 @@
           </a:bodyPr>
           <a:lstStyle/>
           <a:p>
+            <a:pPr algn="ctr"/>
             <a:r>
               <a:rPr lang="fr-FR" sz="2200" dirty="0"/>
               <a:t>Thiebaud Enzo p2207446</a:t>
             </a:r>
           </a:p>
           <a:p>
-            <a:endParaRPr lang="fr-FR" sz="2200" dirty="0"/>
-          </a:p>
-          <a:p>
+            <a:pPr algn="ctr"/>
             <a:r>
               <a:rPr lang="fr-FR" sz="2200" dirty="0"/>
               <a:t>Yrius Marc p…</a:t>
             </a:r>
-          </a:p>
-          <a:p>
-            <a:endParaRPr lang="fr-FR" sz="2200" dirty="0"/>
           </a:p>
           <a:p>
             <a:pPr marL="0" indent="0" algn="ctr">
@@ -4236,7 +4232,18 @@
               </a:rPr>
               <a:t>(On ne participe pas au concours)</a:t>
             </a:r>
-            <a:endParaRPr lang="en-US" sz="2200" dirty="0">
+          </a:p>
+          <a:p>
+            <a:pPr marL="0" indent="0" algn="ctr">
+              <a:buNone/>
+            </a:pPr>
+            <a:r>
+              <a:rPr lang="fr-FR" sz="1500" dirty="0">
+                <a:latin typeface="+mj-lt"/>
+              </a:rPr>
+              <a:t>Lien GitHub : https://github.com/ByWizKi/ProjetBDW</a:t>
+            </a:r>
+            <a:endParaRPr lang="en-US" sz="1500" dirty="0">
               <a:latin typeface="+mj-lt"/>
             </a:endParaRPr>
           </a:p>

--- a/other/The Player.pptx
+++ b/other/The Player.pptx
@@ -203,7 +203,7 @@
           <a:p>
             <a:fld id="{3A85FF41-F4DE-4E3F-8FCA-A7BB748F9225}" type="datetimeFigureOut">
               <a:rPr lang="en-US" smtClean="0"/>
-              <a:t>12/7/2022</a:t>
+              <a:t>12/8/2022</a:t>
             </a:fld>
             <a:endParaRPr lang="en-US" dirty="0"/>
           </a:p>
@@ -704,7 +704,7 @@
           <a:p>
             <a:fld id="{90EFAACD-FE98-4789-BDE7-85B83510B7F6}" type="datetimeFigureOut">
               <a:rPr lang="en-US" smtClean="0"/>
-              <a:t>12/7/2022</a:t>
+              <a:t>12/8/2022</a:t>
             </a:fld>
             <a:endParaRPr lang="en-US" dirty="0"/>
           </a:p>
@@ -904,7 +904,7 @@
           <a:p>
             <a:fld id="{90EFAACD-FE98-4789-BDE7-85B83510B7F6}" type="datetimeFigureOut">
               <a:rPr lang="en-US" smtClean="0"/>
-              <a:t>12/7/2022</a:t>
+              <a:t>12/8/2022</a:t>
             </a:fld>
             <a:endParaRPr lang="en-US" dirty="0"/>
           </a:p>
@@ -1114,7 +1114,7 @@
           <a:p>
             <a:fld id="{90EFAACD-FE98-4789-BDE7-85B83510B7F6}" type="datetimeFigureOut">
               <a:rPr lang="en-US" smtClean="0"/>
-              <a:t>12/7/2022</a:t>
+              <a:t>12/8/2022</a:t>
             </a:fld>
             <a:endParaRPr lang="en-US" dirty="0"/>
           </a:p>
@@ -1314,7 +1314,7 @@
           <a:p>
             <a:fld id="{90EFAACD-FE98-4789-BDE7-85B83510B7F6}" type="datetimeFigureOut">
               <a:rPr lang="en-US" smtClean="0"/>
-              <a:t>12/7/2022</a:t>
+              <a:t>12/8/2022</a:t>
             </a:fld>
             <a:endParaRPr lang="en-US" dirty="0"/>
           </a:p>
@@ -1590,7 +1590,7 @@
           <a:p>
             <a:fld id="{90EFAACD-FE98-4789-BDE7-85B83510B7F6}" type="datetimeFigureOut">
               <a:rPr lang="en-US" smtClean="0"/>
-              <a:t>12/7/2022</a:t>
+              <a:t>12/8/2022</a:t>
             </a:fld>
             <a:endParaRPr lang="en-US" dirty="0"/>
           </a:p>
@@ -1858,7 +1858,7 @@
           <a:p>
             <a:fld id="{90EFAACD-FE98-4789-BDE7-85B83510B7F6}" type="datetimeFigureOut">
               <a:rPr lang="en-US" smtClean="0"/>
-              <a:t>12/7/2022</a:t>
+              <a:t>12/8/2022</a:t>
             </a:fld>
             <a:endParaRPr lang="en-US" dirty="0"/>
           </a:p>
@@ -2273,7 +2273,7 @@
           <a:p>
             <a:fld id="{90EFAACD-FE98-4789-BDE7-85B83510B7F6}" type="datetimeFigureOut">
               <a:rPr lang="en-US" smtClean="0"/>
-              <a:t>12/7/2022</a:t>
+              <a:t>12/8/2022</a:t>
             </a:fld>
             <a:endParaRPr lang="en-US" dirty="0"/>
           </a:p>
@@ -2415,7 +2415,7 @@
           <a:p>
             <a:fld id="{90EFAACD-FE98-4789-BDE7-85B83510B7F6}" type="datetimeFigureOut">
               <a:rPr lang="en-US" smtClean="0"/>
-              <a:t>12/7/2022</a:t>
+              <a:t>12/8/2022</a:t>
             </a:fld>
             <a:endParaRPr lang="en-US" dirty="0"/>
           </a:p>
@@ -2528,7 +2528,7 @@
           <a:p>
             <a:fld id="{90EFAACD-FE98-4789-BDE7-85B83510B7F6}" type="datetimeFigureOut">
               <a:rPr lang="en-US" smtClean="0"/>
-              <a:t>12/7/2022</a:t>
+              <a:t>12/8/2022</a:t>
             </a:fld>
             <a:endParaRPr lang="en-US" dirty="0"/>
           </a:p>
@@ -2841,7 +2841,7 @@
           <a:p>
             <a:fld id="{90EFAACD-FE98-4789-BDE7-85B83510B7F6}" type="datetimeFigureOut">
               <a:rPr lang="en-US" smtClean="0"/>
-              <a:t>12/7/2022</a:t>
+              <a:t>12/8/2022</a:t>
             </a:fld>
             <a:endParaRPr lang="en-US" dirty="0"/>
           </a:p>
@@ -3130,7 +3130,7 @@
           <a:p>
             <a:fld id="{90EFAACD-FE98-4789-BDE7-85B83510B7F6}" type="datetimeFigureOut">
               <a:rPr lang="en-US" smtClean="0"/>
-              <a:t>12/7/2022</a:t>
+              <a:t>12/8/2022</a:t>
             </a:fld>
             <a:endParaRPr lang="en-US" dirty="0"/>
           </a:p>
@@ -3373,7 +3373,7 @@
           <a:p>
             <a:fld id="{90EFAACD-FE98-4789-BDE7-85B83510B7F6}" type="datetimeFigureOut">
               <a:rPr lang="en-US" smtClean="0"/>
-              <a:t>12/7/2022</a:t>
+              <a:t>12/8/2022</a:t>
             </a:fld>
             <a:endParaRPr lang="en-US" dirty="0"/>
           </a:p>
@@ -5024,7 +5024,7 @@
           <a:p>
             <a:r>
               <a:rPr lang="fr-FR" sz="1000" dirty="0"/>
-              <a:t>Notre application permet a l’utilisateur de créer une playlist aléatoires, l’utilisateur peut entrer un nom de playlist ou pas (un nom est généré aléatoirement), l’utilisateur peut entrer une durée pour sa playlist si aucune valeur est entre la playlist aura une duration de 20min. Il peut aussi choisir  le genre des chanson qui seront contenu dans la playlist. Enfin on peut choisir un pourcentage de chanson les plus écoutées ou les chansons les moins skip qui seront ajouter dans notre playlist. Toutes les champs sont totalement optionnel.</a:t>
+              <a:t>Notre application permet a l’utilisateur de créer une playlist aléatoires, l’utilisateur peut entrer un nom de playlist ou pas (un nom est généré aléatoirement), l’utilisateur peut entrer une durée pour sa playlist si aucune valeur est entre la playlist aura une duration de 20min. Il peut aussi choisir  le genre des chanson qui seront contenu dans la playlist. Enfin on peut choisir un pourcentage de chanson les plus écoutées ou les chansons les moins skip qui seront ajouter dans la playlist. Tout les champs sont totalement optionnel.</a:t>
             </a:r>
           </a:p>
           <a:p>
@@ -5087,6 +5087,14 @@
 <file path=ppt/slides/slide3.xml><?xml version="1.0" encoding="utf-8"?>
 <p:sld xmlns:a="http://purl.oclc.org/ooxml/drawingml/main" xmlns:r="http://purl.oclc.org/ooxml/officeDocument/relationships" xmlns:p="http://purl.oclc.org/ooxml/presentationml/main">
   <p:cSld>
+    <p:bg>
+      <p:bgPr>
+        <a:solidFill>
+          <a:schemeClr val="bg1"/>
+        </a:solidFill>
+        <a:effectLst/>
+      </p:bgPr>
+    </p:bg>
     <p:spTree>
       <p:nvGrpSpPr>
         <p:cNvPr id="1" name=""/>
@@ -5101,35 +5109,87 @@
           <a:chExt cx="0" cy="0"/>
         </a:xfrm>
       </p:grpSpPr>
-      <p:sp>
-        <p:nvSpPr>
-          <p:cNvPr id="2" name="Titre 1">
-            <a:extLst>
-              <a:ext uri="{FF2B5EF4-FFF2-40B4-BE49-F238E27FC236}">
-                <a16:creationId xmlns:a16="http://schemas.microsoft.com/office/drawing/2014/main" id="{F59040C0-4A4D-1F9A-9045-CDAAD20A8C8F}"/>
-              </a:ext>
-            </a:extLst>
-          </p:cNvPr>
-          <p:cNvSpPr>
-            <a:spLocks noGrp="1"/>
-          </p:cNvSpPr>
-          <p:nvPr>
-            <p:ph type="title"/>
+      <p:sp useBgFill="1">
+        <p:nvSpPr>
+          <p:cNvPr id="11" name="Rectangle 10">
+            <a:extLst>
+              <a:ext uri="{FF2B5EF4-FFF2-40B4-BE49-F238E27FC236}">
+                <a16:creationId xmlns:a16="http://schemas.microsoft.com/office/drawing/2014/main" id="{F13C74B1-5B17-4795-BED0-7140497B445A}"/>
+              </a:ext>
+              <a:ext uri="{C183D7F6-B498-43B3-948B-1728B52AA6E4}">
+                <adec:decorative xmlns:adec="http://schemas.microsoft.com/office/drawing/2017/decorative" val="1"/>
+              </a:ext>
+            </a:extLst>
+          </p:cNvPr>
+          <p:cNvSpPr>
+            <a:spLocks noGrp="1" noRot="1" noChangeAspect="1" noMove="1" noResize="1" noEditPoints="1" noAdjustHandles="1" noChangeArrowheads="1" noChangeShapeType="1" noTextEdit="1"/>
+          </p:cNvSpPr>
+          <p:nvPr>
+            <p:extLst>
+              <p:ext uri="{386F3935-93C4-4BCD-93E2-E3B085C9AB24}">
+                <p16:designElem xmlns:p16="http://schemas.microsoft.com/office/powerpoint/2015/main" val="1"/>
+              </p:ext>
+            </p:extLst>
           </p:nvPr>
         </p:nvSpPr>
         <p:spPr>
           <a:xfrm>
-            <a:off x="836612" y="310896"/>
-            <a:ext cx="3932237" cy="1600200"/>
+            <a:off x="0" y="0"/>
+            <a:ext cx="12188952" cy="6858000"/>
           </a:xfrm>
-          <a:solidFill>
-            <a:schemeClr val="bg1"/>
-          </a:solidFill>
+          <a:prstGeom prst="rect">
+            <a:avLst/>
+          </a:prstGeom>
           <a:ln>
-            <a:solidFill>
-              <a:schemeClr val="bg1"/>
-            </a:solidFill>
+            <a:noFill/>
           </a:ln>
+        </p:spPr>
+        <p:style>
+          <a:lnRef idx="2">
+            <a:schemeClr val="accent1">
+              <a:shade val="50%"/>
+            </a:schemeClr>
+          </a:lnRef>
+          <a:fillRef idx="1">
+            <a:schemeClr val="accent1"/>
+          </a:fillRef>
+          <a:effectRef idx="0">
+            <a:schemeClr val="accent1"/>
+          </a:effectRef>
+          <a:fontRef idx="minor">
+            <a:schemeClr val="lt1"/>
+          </a:fontRef>
+        </p:style>
+        <p:txBody>
+          <a:bodyPr rtlCol="0" anchor="ctr"/>
+          <a:lstStyle/>
+          <a:p>
+            <a:pPr algn="ctr"/>
+            <a:endParaRPr lang="en-US"/>
+          </a:p>
+        </p:txBody>
+      </p:sp>
+      <p:sp>
+        <p:nvSpPr>
+          <p:cNvPr id="2" name="Titre 1">
+            <a:extLst>
+              <a:ext uri="{FF2B5EF4-FFF2-40B4-BE49-F238E27FC236}">
+                <a16:creationId xmlns:a16="http://schemas.microsoft.com/office/drawing/2014/main" id="{F59040C0-4A4D-1F9A-9045-CDAAD20A8C8F}"/>
+              </a:ext>
+            </a:extLst>
+          </p:cNvPr>
+          <p:cNvSpPr>
+            <a:spLocks noGrp="1"/>
+          </p:cNvSpPr>
+          <p:nvPr>
+            <p:ph type="title"/>
+          </p:nvPr>
+        </p:nvSpPr>
+        <p:spPr>
+          <a:xfrm>
+            <a:off x="640080" y="325369"/>
+            <a:ext cx="4368602" cy="1956841"/>
+          </a:xfrm>
         </p:spPr>
         <p:style>
           <a:lnRef idx="2">
@@ -5146,11 +5206,13 @@
           </a:fontRef>
         </p:style>
         <p:txBody>
-          <a:bodyPr/>
+          <a:bodyPr vert="horz" lIns="91440" tIns="45720" rIns="91440" bIns="45720" rtlCol="0" anchor="b">
+            <a:normAutofit/>
+          </a:bodyPr>
           <a:lstStyle/>
           <a:p>
             <a:r>
-              <a:rPr lang="fr-FR" dirty="0">
+              <a:rPr lang="en-US" sz="5400">
                 <a:ln w="0"/>
                 <a:solidFill>
                   <a:schemeClr val="tx1"/>
@@ -5162,22 +5224,382 @@
                     </a:schemeClr>
                   </a:outerShdw>
                 </a:effectLst>
+                <a:latin typeface="+mj-lt"/>
+                <a:ea typeface="+mj-ea"/>
+                <a:cs typeface="+mj-cs"/>
               </a:rPr>
-              <a:t>Les difficultés Rencontrées</a:t>
-            </a:r>
-            <a:endParaRPr lang="en-US" dirty="0">
-              <a:ln w="0"/>
-              <a:solidFill>
-                <a:schemeClr val="tx1"/>
-              </a:solidFill>
-              <a:effectLst>
-                <a:outerShdw blurRad="38100" dist="19050" dir="2700000" algn="tl" rotWithShape="0">
-                  <a:schemeClr val="dk1">
-                    <a:alpha val="40%"/>
-                  </a:schemeClr>
-                </a:outerShdw>
-              </a:effectLst>
-            </a:endParaRPr>
+              <a:t>Les Difficultés Rencontrées</a:t>
+            </a:r>
+          </a:p>
+        </p:txBody>
+      </p:sp>
+      <p:sp>
+        <p:nvSpPr>
+          <p:cNvPr id="13" name="sketchy line">
+            <a:extLst>
+              <a:ext uri="{FF2B5EF4-FFF2-40B4-BE49-F238E27FC236}">
+                <a16:creationId xmlns:a16="http://schemas.microsoft.com/office/drawing/2014/main" id="{D4974D33-8DC5-464E-8C6D-BE58F0669C17}"/>
+              </a:ext>
+              <a:ext uri="{C183D7F6-B498-43B3-948B-1728B52AA6E4}">
+                <adec:decorative xmlns:adec="http://schemas.microsoft.com/office/drawing/2017/decorative" val="1"/>
+              </a:ext>
+            </a:extLst>
+          </p:cNvPr>
+          <p:cNvSpPr>
+            <a:spLocks noGrp="1" noRot="1" noChangeAspect="1" noMove="1" noResize="1" noEditPoints="1" noAdjustHandles="1" noChangeArrowheads="1" noChangeShapeType="1" noTextEdit="1"/>
+          </p:cNvSpPr>
+          <p:nvPr>
+            <p:extLst>
+              <p:ext uri="{386F3935-93C4-4BCD-93E2-E3B085C9AB24}">
+                <p16:designElem xmlns:p16="http://schemas.microsoft.com/office/powerpoint/2015/main" val="1"/>
+              </p:ext>
+            </p:extLst>
+          </p:nvPr>
+        </p:nvSpPr>
+        <p:spPr>
+          <a:xfrm>
+            <a:off x="640080" y="2586994"/>
+            <a:ext cx="3474720" cy="18288"/>
+          </a:xfrm>
+          <a:custGeom>
+            <a:avLst/>
+            <a:gdLst>
+              <a:gd name="connsiteX0" fmla="*/ 0 w 3474720"/>
+              <a:gd name="connsiteY0" fmla="*/ 0 h 18288"/>
+              <a:gd name="connsiteX1" fmla="*/ 694944 w 3474720"/>
+              <a:gd name="connsiteY1" fmla="*/ 0 h 18288"/>
+              <a:gd name="connsiteX2" fmla="*/ 1355141 w 3474720"/>
+              <a:gd name="connsiteY2" fmla="*/ 0 h 18288"/>
+              <a:gd name="connsiteX3" fmla="*/ 2015338 w 3474720"/>
+              <a:gd name="connsiteY3" fmla="*/ 0 h 18288"/>
+              <a:gd name="connsiteX4" fmla="*/ 2779776 w 3474720"/>
+              <a:gd name="connsiteY4" fmla="*/ 0 h 18288"/>
+              <a:gd name="connsiteX5" fmla="*/ 3474720 w 3474720"/>
+              <a:gd name="connsiteY5" fmla="*/ 0 h 18288"/>
+              <a:gd name="connsiteX6" fmla="*/ 3474720 w 3474720"/>
+              <a:gd name="connsiteY6" fmla="*/ 18288 h 18288"/>
+              <a:gd name="connsiteX7" fmla="*/ 2779776 w 3474720"/>
+              <a:gd name="connsiteY7" fmla="*/ 18288 h 18288"/>
+              <a:gd name="connsiteX8" fmla="*/ 2189074 w 3474720"/>
+              <a:gd name="connsiteY8" fmla="*/ 18288 h 18288"/>
+              <a:gd name="connsiteX9" fmla="*/ 1528877 w 3474720"/>
+              <a:gd name="connsiteY9" fmla="*/ 18288 h 18288"/>
+              <a:gd name="connsiteX10" fmla="*/ 868680 w 3474720"/>
+              <a:gd name="connsiteY10" fmla="*/ 18288 h 18288"/>
+              <a:gd name="connsiteX11" fmla="*/ 0 w 3474720"/>
+              <a:gd name="connsiteY11" fmla="*/ 18288 h 18288"/>
+              <a:gd name="connsiteX12" fmla="*/ 0 w 3474720"/>
+              <a:gd name="connsiteY12" fmla="*/ 0 h 18288"/>
+            </a:gdLst>
+            <a:ahLst/>
+            <a:cxnLst>
+              <a:cxn ang="0">
+                <a:pos x="connsiteX0" y="connsiteY0"/>
+              </a:cxn>
+              <a:cxn ang="0">
+                <a:pos x="connsiteX1" y="connsiteY1"/>
+              </a:cxn>
+              <a:cxn ang="0">
+                <a:pos x="connsiteX2" y="connsiteY2"/>
+              </a:cxn>
+              <a:cxn ang="0">
+                <a:pos x="connsiteX3" y="connsiteY3"/>
+              </a:cxn>
+              <a:cxn ang="0">
+                <a:pos x="connsiteX4" y="connsiteY4"/>
+              </a:cxn>
+              <a:cxn ang="0">
+                <a:pos x="connsiteX5" y="connsiteY5"/>
+              </a:cxn>
+              <a:cxn ang="0">
+                <a:pos x="connsiteX6" y="connsiteY6"/>
+              </a:cxn>
+              <a:cxn ang="0">
+                <a:pos x="connsiteX7" y="connsiteY7"/>
+              </a:cxn>
+              <a:cxn ang="0">
+                <a:pos x="connsiteX8" y="connsiteY8"/>
+              </a:cxn>
+              <a:cxn ang="0">
+                <a:pos x="connsiteX9" y="connsiteY9"/>
+              </a:cxn>
+              <a:cxn ang="0">
+                <a:pos x="connsiteX10" y="connsiteY10"/>
+              </a:cxn>
+              <a:cxn ang="0">
+                <a:pos x="connsiteX11" y="connsiteY11"/>
+              </a:cxn>
+              <a:cxn ang="0">
+                <a:pos x="connsiteX12" y="connsiteY12"/>
+              </a:cxn>
+            </a:cxnLst>
+            <a:rect l="l" t="t" r="r" b="b"/>
+            <a:pathLst>
+              <a:path w="3474720" h="18288" fill="none" extrusionOk="0">
+                <a:moveTo>
+                  <a:pt x="0" y="0"/>
+                </a:moveTo>
+                <a:cubicBezTo>
+                  <a:pt x="224454" y="-14544"/>
+                  <a:pt x="495407" y="26540"/>
+                  <a:pt x="694944" y="0"/>
+                </a:cubicBezTo>
+                <a:cubicBezTo>
+                  <a:pt x="894481" y="-26540"/>
+                  <a:pt x="1130063" y="24713"/>
+                  <a:pt x="1355141" y="0"/>
+                </a:cubicBezTo>
+                <a:cubicBezTo>
+                  <a:pt x="1580219" y="-24713"/>
+                  <a:pt x="1820099" y="26695"/>
+                  <a:pt x="2015338" y="0"/>
+                </a:cubicBezTo>
+                <a:cubicBezTo>
+                  <a:pt x="2210577" y="-26695"/>
+                  <a:pt x="2402045" y="165"/>
+                  <a:pt x="2779776" y="0"/>
+                </a:cubicBezTo>
+                <a:cubicBezTo>
+                  <a:pt x="3157507" y="-165"/>
+                  <a:pt x="3286859" y="-15571"/>
+                  <a:pt x="3474720" y="0"/>
+                </a:cubicBezTo>
+                <a:cubicBezTo>
+                  <a:pt x="3474286" y="7551"/>
+                  <a:pt x="3474253" y="9822"/>
+                  <a:pt x="3474720" y="18288"/>
+                </a:cubicBezTo>
+                <a:cubicBezTo>
+                  <a:pt x="3233904" y="29845"/>
+                  <a:pt x="2945134" y="-5256"/>
+                  <a:pt x="2779776" y="18288"/>
+                </a:cubicBezTo>
+                <a:cubicBezTo>
+                  <a:pt x="2614418" y="41832"/>
+                  <a:pt x="2339768" y="22709"/>
+                  <a:pt x="2189074" y="18288"/>
+                </a:cubicBezTo>
+                <a:cubicBezTo>
+                  <a:pt x="2038380" y="13867"/>
+                  <a:pt x="1817434" y="-4947"/>
+                  <a:pt x="1528877" y="18288"/>
+                </a:cubicBezTo>
+                <a:cubicBezTo>
+                  <a:pt x="1240320" y="41523"/>
+                  <a:pt x="1042447" y="37198"/>
+                  <a:pt x="868680" y="18288"/>
+                </a:cubicBezTo>
+                <a:cubicBezTo>
+                  <a:pt x="694913" y="-622"/>
+                  <a:pt x="233232" y="44909"/>
+                  <a:pt x="0" y="18288"/>
+                </a:cubicBezTo>
+                <a:cubicBezTo>
+                  <a:pt x="60" y="11696"/>
+                  <a:pt x="66" y="3758"/>
+                  <a:pt x="0" y="0"/>
+                </a:cubicBezTo>
+                <a:close/>
+              </a:path>
+              <a:path w="3474720" h="18288" stroke="0" extrusionOk="0">
+                <a:moveTo>
+                  <a:pt x="0" y="0"/>
+                </a:moveTo>
+                <a:cubicBezTo>
+                  <a:pt x="202328" y="-14716"/>
+                  <a:pt x="332722" y="-11499"/>
+                  <a:pt x="625450" y="0"/>
+                </a:cubicBezTo>
+                <a:cubicBezTo>
+                  <a:pt x="918178" y="11499"/>
+                  <a:pt x="1096688" y="5123"/>
+                  <a:pt x="1389888" y="0"/>
+                </a:cubicBezTo>
+                <a:cubicBezTo>
+                  <a:pt x="1683088" y="-5123"/>
+                  <a:pt x="1835981" y="-14038"/>
+                  <a:pt x="1980590" y="0"/>
+                </a:cubicBezTo>
+                <a:cubicBezTo>
+                  <a:pt x="2125199" y="14038"/>
+                  <a:pt x="2396099" y="-7203"/>
+                  <a:pt x="2571293" y="0"/>
+                </a:cubicBezTo>
+                <a:cubicBezTo>
+                  <a:pt x="2746487" y="7203"/>
+                  <a:pt x="3041609" y="-12036"/>
+                  <a:pt x="3474720" y="0"/>
+                </a:cubicBezTo>
+                <a:cubicBezTo>
+                  <a:pt x="3474638" y="4406"/>
+                  <a:pt x="3474631" y="9982"/>
+                  <a:pt x="3474720" y="18288"/>
+                </a:cubicBezTo>
+                <a:cubicBezTo>
+                  <a:pt x="3324873" y="21876"/>
+                  <a:pt x="3136771" y="12587"/>
+                  <a:pt x="2814523" y="18288"/>
+                </a:cubicBezTo>
+                <a:cubicBezTo>
+                  <a:pt x="2492275" y="23989"/>
+                  <a:pt x="2294402" y="47111"/>
+                  <a:pt x="2154326" y="18288"/>
+                </a:cubicBezTo>
+                <a:cubicBezTo>
+                  <a:pt x="2014250" y="-10535"/>
+                  <a:pt x="1820317" y="33903"/>
+                  <a:pt x="1494130" y="18288"/>
+                </a:cubicBezTo>
+                <a:cubicBezTo>
+                  <a:pt x="1167943" y="2673"/>
+                  <a:pt x="948432" y="14868"/>
+                  <a:pt x="729691" y="18288"/>
+                </a:cubicBezTo>
+                <a:cubicBezTo>
+                  <a:pt x="510950" y="21708"/>
+                  <a:pt x="264032" y="24354"/>
+                  <a:pt x="0" y="18288"/>
+                </a:cubicBezTo>
+                <a:cubicBezTo>
+                  <a:pt x="189" y="14288"/>
+                  <a:pt x="-703" y="3747"/>
+                  <a:pt x="0" y="0"/>
+                </a:cubicBezTo>
+                <a:close/>
+              </a:path>
+            </a:pathLst>
+          </a:custGeom>
+          <a:solidFill>
+            <a:schemeClr val="accent2"/>
+          </a:solidFill>
+          <a:ln w="44450" cap="rnd">
+            <a:solidFill>
+              <a:schemeClr val="accent2"/>
+            </a:solidFill>
+            <a:round/>
+            <a:extLst>
+              <a:ext uri="{C807C97D-BFC1-408E-A445-0C87EB9F89A2}">
+                <ask:lineSketchStyleProps xmlns:ask="http://schemas.microsoft.com/office/drawing/2018/sketchyshapes" sd="2863741219">
+                  <a:prstGeom prst="rect">
+                    <a:avLst/>
+                  </a:prstGeom>
+                  <ask:type>
+                    <ask:lineSketchFreehand/>
+                  </ask:type>
+                </ask:lineSketchStyleProps>
+              </a:ext>
+            </a:extLst>
+          </a:ln>
+        </p:spPr>
+        <p:style>
+          <a:lnRef idx="2">
+            <a:schemeClr val="accent1">
+              <a:shade val="50%"/>
+            </a:schemeClr>
+          </a:lnRef>
+          <a:fillRef idx="1">
+            <a:schemeClr val="accent1"/>
+          </a:fillRef>
+          <a:effectRef idx="0">
+            <a:schemeClr val="accent1"/>
+          </a:effectRef>
+          <a:fontRef idx="minor">
+            <a:schemeClr val="lt1"/>
+          </a:fontRef>
+        </p:style>
+        <p:txBody>
+          <a:bodyPr rtlCol="0" anchor="ctr"/>
+          <a:lstStyle/>
+          <a:p>
+            <a:pPr algn="ctr"/>
+            <a:endParaRPr lang="en-US"/>
+          </a:p>
+        </p:txBody>
+      </p:sp>
+      <p:sp>
+        <p:nvSpPr>
+          <p:cNvPr id="4" name="Espace réservé du texte 3">
+            <a:extLst>
+              <a:ext uri="{FF2B5EF4-FFF2-40B4-BE49-F238E27FC236}">
+                <a16:creationId xmlns:a16="http://schemas.microsoft.com/office/drawing/2014/main" id="{90DBA5AF-CB25-8702-43C8-8672B4ABD895}"/>
+              </a:ext>
+            </a:extLst>
+          </p:cNvPr>
+          <p:cNvSpPr>
+            <a:spLocks noGrp="1"/>
+          </p:cNvSpPr>
+          <p:nvPr>
+            <p:ph type="body" sz="half" idx="2"/>
+          </p:nvPr>
+        </p:nvSpPr>
+        <p:spPr>
+          <a:xfrm>
+            <a:off x="640080" y="2872899"/>
+            <a:ext cx="4243589" cy="3320668"/>
+          </a:xfrm>
+        </p:spPr>
+        <p:txBody>
+          <a:bodyPr vert="horz" lIns="91440" tIns="45720" rIns="91440" bIns="45720" rtlCol="0">
+            <a:normAutofit/>
+          </a:bodyPr>
+          <a:lstStyle/>
+          <a:p>
+            <a:pPr marL="285750" indent="-228600">
+              <a:buFont typeface="Arial" panose="020B0604020202020204" pitchFamily="34" charset="0"/>
+              <a:buChar char="•"/>
+            </a:pPr>
+            <a:r>
+              <a:rPr lang="fr-FR" sz="2000" dirty="0">
+                <a:ln w="0"/>
+                <a:effectLst>
+                  <a:outerShdw blurRad="38100" dist="19050" dir="2700000" algn="tl" rotWithShape="0">
+                    <a:schemeClr val="dk1">
+                      <a:alpha val="40%"/>
+                    </a:schemeClr>
+                  </a:outerShdw>
+                </a:effectLst>
+              </a:rPr>
+              <a:t>Difficulté 1</a:t>
+            </a:r>
+          </a:p>
+          <a:p>
+            <a:r>
+              <a:rPr lang="fr-FR" sz="1200" dirty="0"/>
+              <a:t>       La fonctionnalités 2 a été plutôt simple au niveau de la réflexion or pour la mise en place beaucoup de difficultés pour le traduire en langage le gros c’était de savoir comment traiter certaines informations comme les dates ou encore les lieux car plusieurs forme de date et de lieux était présente dans la base de données.</a:t>
+            </a:r>
+          </a:p>
+          <a:p>
+            <a:pPr marL="171450" indent="-228600">
+              <a:buFont typeface="Arial" panose="020B0604020202020204" pitchFamily="34" charset="0"/>
+              <a:buChar char="•"/>
+            </a:pPr>
+            <a:r>
+              <a:rPr lang="fr-FR" sz="2000" dirty="0">
+                <a:ln w="0"/>
+                <a:effectLst>
+                  <a:outerShdw blurRad="38100" dist="19050" dir="2700000" algn="tl" rotWithShape="0">
+                    <a:schemeClr val="dk1">
+                      <a:alpha val="40%"/>
+                    </a:schemeClr>
+                  </a:outerShdw>
+                </a:effectLst>
+              </a:rPr>
+              <a:t> Difficulté 2</a:t>
+            </a:r>
+          </a:p>
+          <a:p>
+            <a:pPr algn="just"/>
+            <a:r>
+              <a:rPr lang="fr-FR" sz="1200" dirty="0"/>
+              <a:t>       Nous avons utiliser git pour l’organisation de notre site, le principe est simple mais dans l’apprentissage on se perd vite et on apprend beaucoup pour pas grand-chose a force de l’utiliser on s’y ai fait et c’est un outil parfait pour le travail de groupe.</a:t>
+            </a:r>
+          </a:p>
+          <a:p>
+            <a:pPr marL="285750" indent="-228600">
+              <a:buFont typeface="Arial" panose="020B0604020202020204" pitchFamily="34" charset="0"/>
+              <a:buChar char="•"/>
+            </a:pPr>
+            <a:endParaRPr lang="en-US" sz="1400" dirty="0"/>
           </a:p>
         </p:txBody>
       </p:sp>
@@ -5197,7 +5619,7 @@
             <p:ph type="pic" idx="1"/>
           </p:nvPr>
         </p:nvPicPr>
-        <p:blipFill>
+        <p:blipFill rotWithShape="1">
           <a:blip r:embed="rId2">
             <a:extLst>
               <a:ext uri="{28A0092B-C50C-407E-A947-70E740481C1C}">
@@ -5205,38 +5627,131 @@
               </a:ext>
             </a:extLst>
           </a:blip>
-          <a:srcRect l="12.821%" r="12.821%"/>
-          <a:stretch>
-            <a:fillRect/>
-          </a:stretch>
+          <a:srcRect l="14.802%" r="26.27%"/>
+          <a:stretch/>
         </p:blipFill>
-        <p:spPr/>
+        <p:spPr>
+          <a:xfrm>
+            <a:off x="5311702" y="10"/>
+            <a:ext cx="6878775" cy="6857990"/>
+          </a:xfrm>
+          <a:custGeom>
+            <a:avLst/>
+            <a:gdLst/>
+            <a:ahLst/>
+            <a:cxnLst/>
+            <a:rect l="l" t="t" r="r" b="b"/>
+            <a:pathLst>
+              <a:path w="6878775" h="6858000">
+                <a:moveTo>
+                  <a:pt x="1102973" y="0"/>
+                </a:moveTo>
+                <a:lnTo>
+                  <a:pt x="1160688" y="0"/>
+                </a:lnTo>
+                <a:lnTo>
+                  <a:pt x="983189" y="331786"/>
+                </a:lnTo>
+                <a:cubicBezTo>
+                  <a:pt x="914866" y="469145"/>
+                  <a:pt x="850355" y="608712"/>
+                  <a:pt x="789261" y="750263"/>
+                </a:cubicBezTo>
+                <a:cubicBezTo>
+                  <a:pt x="774307" y="784928"/>
+                  <a:pt x="759992" y="819849"/>
+                  <a:pt x="745295" y="854514"/>
+                </a:cubicBezTo>
+                <a:cubicBezTo>
+                  <a:pt x="756682" y="845393"/>
+                  <a:pt x="765489" y="833492"/>
+                  <a:pt x="770857" y="819975"/>
+                </a:cubicBezTo>
+                <a:cubicBezTo>
+                  <a:pt x="879943" y="589569"/>
+                  <a:pt x="999605" y="365513"/>
+                  <a:pt x="1131329" y="148742"/>
+                </a:cubicBezTo>
+                <a:lnTo>
+                  <a:pt x="1227589" y="0"/>
+                </a:lnTo>
+                <a:lnTo>
+                  <a:pt x="6878775" y="0"/>
+                </a:lnTo>
+                <a:lnTo>
+                  <a:pt x="6878775" y="6858000"/>
+                </a:lnTo>
+                <a:lnTo>
+                  <a:pt x="713521" y="6858000"/>
+                </a:lnTo>
+                <a:lnTo>
+                  <a:pt x="625642" y="6670527"/>
+                </a:lnTo>
+                <a:cubicBezTo>
+                  <a:pt x="507232" y="6398531"/>
+                  <a:pt x="403083" y="6118381"/>
+                  <a:pt x="312785" y="5830359"/>
+                </a:cubicBezTo>
+                <a:cubicBezTo>
+                  <a:pt x="278149" y="5719759"/>
+                  <a:pt x="248879" y="5607635"/>
+                  <a:pt x="212198" y="5480401"/>
+                </a:cubicBezTo>
+                <a:cubicBezTo>
+                  <a:pt x="212208" y="5491601"/>
+                  <a:pt x="212803" y="5502788"/>
+                  <a:pt x="213988" y="5513923"/>
+                </a:cubicBezTo>
+                <a:cubicBezTo>
+                  <a:pt x="264089" y="5723695"/>
+                  <a:pt x="307290" y="5935370"/>
+                  <a:pt x="365826" y="6142729"/>
+                </a:cubicBezTo>
+                <a:cubicBezTo>
+                  <a:pt x="433152" y="6380817"/>
+                  <a:pt x="510068" y="6614016"/>
+                  <a:pt x="597975" y="6841549"/>
+                </a:cubicBezTo>
+                <a:lnTo>
+                  <a:pt x="604824" y="6858000"/>
+                </a:lnTo>
+                <a:lnTo>
+                  <a:pt x="552056" y="6858000"/>
+                </a:lnTo>
+                <a:lnTo>
+                  <a:pt x="539576" y="6828295"/>
+                </a:lnTo>
+                <a:cubicBezTo>
+                  <a:pt x="380597" y="6414594"/>
+                  <a:pt x="260223" y="5988893"/>
+                  <a:pt x="171555" y="5552906"/>
+                </a:cubicBezTo>
+                <a:cubicBezTo>
+                  <a:pt x="91163" y="5157998"/>
+                  <a:pt x="43746" y="4758899"/>
+                  <a:pt x="12305" y="4357388"/>
+                </a:cubicBezTo>
+                <a:cubicBezTo>
+                  <a:pt x="-14281" y="4013908"/>
+                  <a:pt x="4507" y="3672965"/>
+                  <a:pt x="46684" y="3331516"/>
+                </a:cubicBezTo>
+                <a:cubicBezTo>
+                  <a:pt x="127203" y="2664286"/>
+                  <a:pt x="277819" y="2007265"/>
+                  <a:pt x="496065" y="1371196"/>
+                </a:cubicBezTo>
+                <a:cubicBezTo>
+                  <a:pt x="636273" y="966066"/>
+                  <a:pt x="800445" y="573253"/>
+                  <a:pt x="995723" y="196614"/>
+                </a:cubicBezTo>
+                <a:close/>
+              </a:path>
+            </a:pathLst>
+          </a:custGeom>
+        </p:spPr>
       </p:pic>
-      <p:sp>
-        <p:nvSpPr>
-          <p:cNvPr id="4" name="Espace réservé du texte 3">
-            <a:extLst>
-              <a:ext uri="{FF2B5EF4-FFF2-40B4-BE49-F238E27FC236}">
-                <a16:creationId xmlns:a16="http://schemas.microsoft.com/office/drawing/2014/main" id="{90DBA5AF-CB25-8702-43C8-8672B4ABD895}"/>
-              </a:ext>
-            </a:extLst>
-          </p:cNvPr>
-          <p:cNvSpPr>
-            <a:spLocks noGrp="1"/>
-          </p:cNvSpPr>
-          <p:nvPr>
-            <p:ph type="body" sz="half" idx="2"/>
-          </p:nvPr>
-        </p:nvSpPr>
-        <p:spPr/>
-        <p:txBody>
-          <a:bodyPr/>
-          <a:lstStyle/>
-          <a:p>
-            <a:endParaRPr lang="en-US" dirty="0"/>
-          </a:p>
-        </p:txBody>
-      </p:sp>
     </p:spTree>
     <p:extLst>
       <p:ext uri="{BB962C8B-B14F-4D97-AF65-F5344CB8AC3E}">

--- a/other/The Player.pptx
+++ b/other/The Player.pptx
@@ -203,7 +203,7 @@
           <a:p>
             <a:fld id="{3A85FF41-F4DE-4E3F-8FCA-A7BB748F9225}" type="datetimeFigureOut">
               <a:rPr lang="en-US" smtClean="0"/>
-              <a:t>12/8/2022</a:t>
+              <a:t>12/9/2022</a:t>
             </a:fld>
             <a:endParaRPr lang="en-US" dirty="0"/>
           </a:p>
@@ -704,7 +704,7 @@
           <a:p>
             <a:fld id="{90EFAACD-FE98-4789-BDE7-85B83510B7F6}" type="datetimeFigureOut">
               <a:rPr lang="en-US" smtClean="0"/>
-              <a:t>12/8/2022</a:t>
+              <a:t>12/9/2022</a:t>
             </a:fld>
             <a:endParaRPr lang="en-US" dirty="0"/>
           </a:p>
@@ -904,7 +904,7 @@
           <a:p>
             <a:fld id="{90EFAACD-FE98-4789-BDE7-85B83510B7F6}" type="datetimeFigureOut">
               <a:rPr lang="en-US" smtClean="0"/>
-              <a:t>12/8/2022</a:t>
+              <a:t>12/9/2022</a:t>
             </a:fld>
             <a:endParaRPr lang="en-US" dirty="0"/>
           </a:p>
@@ -1114,7 +1114,7 @@
           <a:p>
             <a:fld id="{90EFAACD-FE98-4789-BDE7-85B83510B7F6}" type="datetimeFigureOut">
               <a:rPr lang="en-US" smtClean="0"/>
-              <a:t>12/8/2022</a:t>
+              <a:t>12/9/2022</a:t>
             </a:fld>
             <a:endParaRPr lang="en-US" dirty="0"/>
           </a:p>
@@ -1314,7 +1314,7 @@
           <a:p>
             <a:fld id="{90EFAACD-FE98-4789-BDE7-85B83510B7F6}" type="datetimeFigureOut">
               <a:rPr lang="en-US" smtClean="0"/>
-              <a:t>12/8/2022</a:t>
+              <a:t>12/9/2022</a:t>
             </a:fld>
             <a:endParaRPr lang="en-US" dirty="0"/>
           </a:p>
@@ -1590,7 +1590,7 @@
           <a:p>
             <a:fld id="{90EFAACD-FE98-4789-BDE7-85B83510B7F6}" type="datetimeFigureOut">
               <a:rPr lang="en-US" smtClean="0"/>
-              <a:t>12/8/2022</a:t>
+              <a:t>12/9/2022</a:t>
             </a:fld>
             <a:endParaRPr lang="en-US" dirty="0"/>
           </a:p>
@@ -1858,7 +1858,7 @@
           <a:p>
             <a:fld id="{90EFAACD-FE98-4789-BDE7-85B83510B7F6}" type="datetimeFigureOut">
               <a:rPr lang="en-US" smtClean="0"/>
-              <a:t>12/8/2022</a:t>
+              <a:t>12/9/2022</a:t>
             </a:fld>
             <a:endParaRPr lang="en-US" dirty="0"/>
           </a:p>
@@ -2273,7 +2273,7 @@
           <a:p>
             <a:fld id="{90EFAACD-FE98-4789-BDE7-85B83510B7F6}" type="datetimeFigureOut">
               <a:rPr lang="en-US" smtClean="0"/>
-              <a:t>12/8/2022</a:t>
+              <a:t>12/9/2022</a:t>
             </a:fld>
             <a:endParaRPr lang="en-US" dirty="0"/>
           </a:p>
@@ -2415,7 +2415,7 @@
           <a:p>
             <a:fld id="{90EFAACD-FE98-4789-BDE7-85B83510B7F6}" type="datetimeFigureOut">
               <a:rPr lang="en-US" smtClean="0"/>
-              <a:t>12/8/2022</a:t>
+              <a:t>12/9/2022</a:t>
             </a:fld>
             <a:endParaRPr lang="en-US" dirty="0"/>
           </a:p>
@@ -2528,7 +2528,7 @@
           <a:p>
             <a:fld id="{90EFAACD-FE98-4789-BDE7-85B83510B7F6}" type="datetimeFigureOut">
               <a:rPr lang="en-US" smtClean="0"/>
-              <a:t>12/8/2022</a:t>
+              <a:t>12/9/2022</a:t>
             </a:fld>
             <a:endParaRPr lang="en-US" dirty="0"/>
           </a:p>
@@ -2841,7 +2841,7 @@
           <a:p>
             <a:fld id="{90EFAACD-FE98-4789-BDE7-85B83510B7F6}" type="datetimeFigureOut">
               <a:rPr lang="en-US" smtClean="0"/>
-              <a:t>12/8/2022</a:t>
+              <a:t>12/9/2022</a:t>
             </a:fld>
             <a:endParaRPr lang="en-US" dirty="0"/>
           </a:p>
@@ -3130,7 +3130,7 @@
           <a:p>
             <a:fld id="{90EFAACD-FE98-4789-BDE7-85B83510B7F6}" type="datetimeFigureOut">
               <a:rPr lang="en-US" smtClean="0"/>
-              <a:t>12/8/2022</a:t>
+              <a:t>12/9/2022</a:t>
             </a:fld>
             <a:endParaRPr lang="en-US" dirty="0"/>
           </a:p>
@@ -3373,7 +3373,7 @@
           <a:p>
             <a:fld id="{90EFAACD-FE98-4789-BDE7-85B83510B7F6}" type="datetimeFigureOut">
               <a:rPr lang="en-US" smtClean="0"/>
-              <a:t>12/8/2022</a:t>
+              <a:t>12/9/2022</a:t>
             </a:fld>
             <a:endParaRPr lang="en-US" dirty="0"/>
           </a:p>
@@ -6132,6 +6132,42 @@
           <a:chExt cx="0" cy="0"/>
         </a:xfrm>
       </p:grpSpPr>
+      <p:pic>
+        <p:nvPicPr>
+          <p:cNvPr id="3" name="Image 2" descr="Une image contenant texte&#10;&#10;Description générée automatiquement">
+            <a:extLst>
+              <a:ext uri="{FF2B5EF4-FFF2-40B4-BE49-F238E27FC236}">
+                <a16:creationId xmlns:a16="http://schemas.microsoft.com/office/drawing/2014/main" id="{0DCD805F-5D70-B1FA-2038-8B556B94AFFC}"/>
+              </a:ext>
+            </a:extLst>
+          </p:cNvPr>
+          <p:cNvPicPr>
+            <a:picLocks noChangeAspect="1"/>
+          </p:cNvPicPr>
+          <p:nvPr/>
+        </p:nvPicPr>
+        <p:blipFill>
+          <a:blip r:embed="rId2">
+            <a:extLst>
+              <a:ext uri="{28A0092B-C50C-407E-A947-70E740481C1C}">
+                <a14:useLocalDpi xmlns:a14="http://schemas.microsoft.com/office/drawing/2010/main" val="0"/>
+              </a:ext>
+            </a:extLst>
+          </a:blip>
+          <a:stretch>
+            <a:fillRect/>
+          </a:stretch>
+        </p:blipFill>
+        <p:spPr>
+          <a:xfrm>
+            <a:off x="142973" y="296111"/>
+            <a:ext cx="11906053" cy="6265778"/>
+          </a:xfrm>
+          <a:prstGeom prst="rect">
+            <a:avLst/>
+          </a:prstGeom>
+        </p:spPr>
+      </p:pic>
     </p:spTree>
     <p:extLst>
       <p:ext uri="{BB962C8B-B14F-4D97-AF65-F5344CB8AC3E}">

--- a/other/The Player.pptx
+++ b/other/The Player.pptx
@@ -203,7 +203,7 @@
           <a:p>
             <a:fld id="{3A85FF41-F4DE-4E3F-8FCA-A7BB748F9225}" type="datetimeFigureOut">
               <a:rPr lang="en-US" smtClean="0"/>
-              <a:t>12/9/2022</a:t>
+              <a:t>12/9/22</a:t>
             </a:fld>
             <a:endParaRPr lang="en-US" dirty="0"/>
           </a:p>
@@ -362,7 +362,7 @@
           <a:p>
             <a:fld id="{CC255FE9-15EB-4DD0-B17F-B4DE2B8360B8}" type="slidenum">
               <a:rPr lang="en-US" smtClean="0"/>
-              <a:t>‹N°›</a:t>
+              <a:t>‹#›</a:t>
             </a:fld>
             <a:endParaRPr lang="en-US" dirty="0"/>
           </a:p>
@@ -704,7 +704,7 @@
           <a:p>
             <a:fld id="{90EFAACD-FE98-4789-BDE7-85B83510B7F6}" type="datetimeFigureOut">
               <a:rPr lang="en-US" smtClean="0"/>
-              <a:t>12/9/2022</a:t>
+              <a:t>12/9/22</a:t>
             </a:fld>
             <a:endParaRPr lang="en-US" dirty="0"/>
           </a:p>
@@ -758,7 +758,7 @@
           <a:p>
             <a:fld id="{57113577-76C0-4EEC-9384-FF48A56D7DA7}" type="slidenum">
               <a:rPr lang="en-US" smtClean="0"/>
-              <a:t>‹N°›</a:t>
+              <a:t>‹#›</a:t>
             </a:fld>
             <a:endParaRPr lang="en-US" dirty="0"/>
           </a:p>
@@ -904,7 +904,7 @@
           <a:p>
             <a:fld id="{90EFAACD-FE98-4789-BDE7-85B83510B7F6}" type="datetimeFigureOut">
               <a:rPr lang="en-US" smtClean="0"/>
-              <a:t>12/9/2022</a:t>
+              <a:t>12/9/22</a:t>
             </a:fld>
             <a:endParaRPr lang="en-US" dirty="0"/>
           </a:p>
@@ -958,7 +958,7 @@
           <a:p>
             <a:fld id="{57113577-76C0-4EEC-9384-FF48A56D7DA7}" type="slidenum">
               <a:rPr lang="en-US" smtClean="0"/>
-              <a:t>‹N°›</a:t>
+              <a:t>‹#›</a:t>
             </a:fld>
             <a:endParaRPr lang="en-US" dirty="0"/>
           </a:p>
@@ -1114,7 +1114,7 @@
           <a:p>
             <a:fld id="{90EFAACD-FE98-4789-BDE7-85B83510B7F6}" type="datetimeFigureOut">
               <a:rPr lang="en-US" smtClean="0"/>
-              <a:t>12/9/2022</a:t>
+              <a:t>12/9/22</a:t>
             </a:fld>
             <a:endParaRPr lang="en-US" dirty="0"/>
           </a:p>
@@ -1168,7 +1168,7 @@
           <a:p>
             <a:fld id="{57113577-76C0-4EEC-9384-FF48A56D7DA7}" type="slidenum">
               <a:rPr lang="en-US" smtClean="0"/>
-              <a:t>‹N°›</a:t>
+              <a:t>‹#›</a:t>
             </a:fld>
             <a:endParaRPr lang="en-US" dirty="0"/>
           </a:p>
@@ -1314,7 +1314,7 @@
           <a:p>
             <a:fld id="{90EFAACD-FE98-4789-BDE7-85B83510B7F6}" type="datetimeFigureOut">
               <a:rPr lang="en-US" smtClean="0"/>
-              <a:t>12/9/2022</a:t>
+              <a:t>12/9/22</a:t>
             </a:fld>
             <a:endParaRPr lang="en-US" dirty="0"/>
           </a:p>
@@ -1368,7 +1368,7 @@
           <a:p>
             <a:fld id="{57113577-76C0-4EEC-9384-FF48A56D7DA7}" type="slidenum">
               <a:rPr lang="en-US" smtClean="0"/>
-              <a:t>‹N°›</a:t>
+              <a:t>‹#›</a:t>
             </a:fld>
             <a:endParaRPr lang="en-US" dirty="0"/>
           </a:p>
@@ -1590,7 +1590,7 @@
           <a:p>
             <a:fld id="{90EFAACD-FE98-4789-BDE7-85B83510B7F6}" type="datetimeFigureOut">
               <a:rPr lang="en-US" smtClean="0"/>
-              <a:t>12/9/2022</a:t>
+              <a:t>12/9/22</a:t>
             </a:fld>
             <a:endParaRPr lang="en-US" dirty="0"/>
           </a:p>
@@ -1644,7 +1644,7 @@
           <a:p>
             <a:fld id="{57113577-76C0-4EEC-9384-FF48A56D7DA7}" type="slidenum">
               <a:rPr lang="en-US" smtClean="0"/>
-              <a:t>‹N°›</a:t>
+              <a:t>‹#›</a:t>
             </a:fld>
             <a:endParaRPr lang="en-US" dirty="0"/>
           </a:p>
@@ -1858,7 +1858,7 @@
           <a:p>
             <a:fld id="{90EFAACD-FE98-4789-BDE7-85B83510B7F6}" type="datetimeFigureOut">
               <a:rPr lang="en-US" smtClean="0"/>
-              <a:t>12/9/2022</a:t>
+              <a:t>12/9/22</a:t>
             </a:fld>
             <a:endParaRPr lang="en-US" dirty="0"/>
           </a:p>
@@ -1912,7 +1912,7 @@
           <a:p>
             <a:fld id="{57113577-76C0-4EEC-9384-FF48A56D7DA7}" type="slidenum">
               <a:rPr lang="en-US" smtClean="0"/>
-              <a:t>‹N°›</a:t>
+              <a:t>‹#›</a:t>
             </a:fld>
             <a:endParaRPr lang="en-US" dirty="0"/>
           </a:p>
@@ -2273,7 +2273,7 @@
           <a:p>
             <a:fld id="{90EFAACD-FE98-4789-BDE7-85B83510B7F6}" type="datetimeFigureOut">
               <a:rPr lang="en-US" smtClean="0"/>
-              <a:t>12/9/2022</a:t>
+              <a:t>12/9/22</a:t>
             </a:fld>
             <a:endParaRPr lang="en-US" dirty="0"/>
           </a:p>
@@ -2327,7 +2327,7 @@
           <a:p>
             <a:fld id="{57113577-76C0-4EEC-9384-FF48A56D7DA7}" type="slidenum">
               <a:rPr lang="en-US" smtClean="0"/>
-              <a:t>‹N°›</a:t>
+              <a:t>‹#›</a:t>
             </a:fld>
             <a:endParaRPr lang="en-US" dirty="0"/>
           </a:p>
@@ -2415,7 +2415,7 @@
           <a:p>
             <a:fld id="{90EFAACD-FE98-4789-BDE7-85B83510B7F6}" type="datetimeFigureOut">
               <a:rPr lang="en-US" smtClean="0"/>
-              <a:t>12/9/2022</a:t>
+              <a:t>12/9/22</a:t>
             </a:fld>
             <a:endParaRPr lang="en-US" dirty="0"/>
           </a:p>
@@ -2469,7 +2469,7 @@
           <a:p>
             <a:fld id="{57113577-76C0-4EEC-9384-FF48A56D7DA7}" type="slidenum">
               <a:rPr lang="en-US" smtClean="0"/>
-              <a:t>‹N°›</a:t>
+              <a:t>‹#›</a:t>
             </a:fld>
             <a:endParaRPr lang="en-US" dirty="0"/>
           </a:p>
@@ -2528,7 +2528,7 @@
           <a:p>
             <a:fld id="{90EFAACD-FE98-4789-BDE7-85B83510B7F6}" type="datetimeFigureOut">
               <a:rPr lang="en-US" smtClean="0"/>
-              <a:t>12/9/2022</a:t>
+              <a:t>12/9/22</a:t>
             </a:fld>
             <a:endParaRPr lang="en-US" dirty="0"/>
           </a:p>
@@ -2582,7 +2582,7 @@
           <a:p>
             <a:fld id="{57113577-76C0-4EEC-9384-FF48A56D7DA7}" type="slidenum">
               <a:rPr lang="en-US" smtClean="0"/>
-              <a:t>‹N°›</a:t>
+              <a:t>‹#›</a:t>
             </a:fld>
             <a:endParaRPr lang="en-US" dirty="0"/>
           </a:p>
@@ -2841,7 +2841,7 @@
           <a:p>
             <a:fld id="{90EFAACD-FE98-4789-BDE7-85B83510B7F6}" type="datetimeFigureOut">
               <a:rPr lang="en-US" smtClean="0"/>
-              <a:t>12/9/2022</a:t>
+              <a:t>12/9/22</a:t>
             </a:fld>
             <a:endParaRPr lang="en-US" dirty="0"/>
           </a:p>
@@ -2895,7 +2895,7 @@
           <a:p>
             <a:fld id="{57113577-76C0-4EEC-9384-FF48A56D7DA7}" type="slidenum">
               <a:rPr lang="en-US" smtClean="0"/>
-              <a:t>‹N°›</a:t>
+              <a:t>‹#›</a:t>
             </a:fld>
             <a:endParaRPr lang="en-US" dirty="0"/>
           </a:p>
@@ -3130,7 +3130,7 @@
           <a:p>
             <a:fld id="{90EFAACD-FE98-4789-BDE7-85B83510B7F6}" type="datetimeFigureOut">
               <a:rPr lang="en-US" smtClean="0"/>
-              <a:t>12/9/2022</a:t>
+              <a:t>12/9/22</a:t>
             </a:fld>
             <a:endParaRPr lang="en-US" dirty="0"/>
           </a:p>
@@ -3184,7 +3184,7 @@
           <a:p>
             <a:fld id="{57113577-76C0-4EEC-9384-FF48A56D7DA7}" type="slidenum">
               <a:rPr lang="en-US" smtClean="0"/>
-              <a:t>‹N°›</a:t>
+              <a:t>‹#›</a:t>
             </a:fld>
             <a:endParaRPr lang="en-US" dirty="0"/>
           </a:p>
@@ -3373,7 +3373,7 @@
           <a:p>
             <a:fld id="{90EFAACD-FE98-4789-BDE7-85B83510B7F6}" type="datetimeFigureOut">
               <a:rPr lang="en-US" smtClean="0"/>
-              <a:t>12/9/2022</a:t>
+              <a:t>12/9/22</a:t>
             </a:fld>
             <a:endParaRPr lang="en-US" dirty="0"/>
           </a:p>
@@ -3463,7 +3463,7 @@
           <a:p>
             <a:fld id="{57113577-76C0-4EEC-9384-FF48A56D7DA7}" type="slidenum">
               <a:rPr lang="en-US" smtClean="0"/>
-              <a:t>‹N°›</a:t>
+              <a:t>‹#›</a:t>
             </a:fld>
             <a:endParaRPr lang="en-US" dirty="0"/>
           </a:p>
@@ -4219,7 +4219,7 @@
             <a:pPr algn="ctr"/>
             <a:r>
               <a:rPr lang="fr-FR" sz="2200" dirty="0"/>
-              <a:t>Yrius Marc p…</a:t>
+              <a:t>Yrius Marc p2210277</a:t>
             </a:r>
           </a:p>
           <a:p>
@@ -5540,7 +5540,7 @@
         </p:spPr>
         <p:txBody>
           <a:bodyPr vert="horz" lIns="91440" tIns="45720" rIns="91440" bIns="45720" rtlCol="0">
-            <a:normAutofit/>
+            <a:normAutofit lnSpcReduction="10%"/>
           </a:bodyPr>
           <a:lstStyle/>
           <a:p>
@@ -5595,10 +5595,41 @@
             </a:r>
           </a:p>
           <a:p>
-            <a:pPr marL="285750" indent="-228600">
+            <a:pPr marL="171450" indent="-228600">
               <a:buFont typeface="Arial" panose="020B0604020202020204" pitchFamily="34" charset="0"/>
               <a:buChar char="•"/>
             </a:pPr>
+            <a:r>
+              <a:rPr lang="fr-FR" sz="2000" dirty="0">
+                <a:ln w="0"/>
+                <a:effectLst>
+                  <a:outerShdw blurRad="38100" dist="19050" dir="2700000" algn="tl" rotWithShape="0">
+                    <a:schemeClr val="dk1">
+                      <a:alpha val="40%"/>
+                    </a:schemeClr>
+                  </a:outerShdw>
+                </a:effectLst>
+              </a:rPr>
+              <a:t> Difficulté  3</a:t>
+            </a:r>
+          </a:p>
+          <a:p>
+            <a:r>
+              <a:rPr lang="fr-FR" sz="1200" dirty="0">
+                <a:ln w="0"/>
+                <a:effectLst>
+                  <a:outerShdw blurRad="38100" dist="19050" dir="2700000" algn="tl" rotWithShape="0">
+                    <a:schemeClr val="dk1">
+                      <a:alpha val="40%"/>
+                    </a:schemeClr>
+                  </a:outerShdw>
+                </a:effectLst>
+              </a:rPr>
+              <a:t>Problème css.</a:t>
+            </a:r>
+          </a:p>
+          <a:p>
+            <a:pPr marL="57150"/>
             <a:endParaRPr lang="en-US" sz="1400" dirty="0"/>
           </a:p>
         </p:txBody>

--- a/other/The Player.pptx
+++ b/other/The Player.pptx
@@ -4205,7 +4205,7 @@
         </p:spPr>
         <p:txBody>
           <a:bodyPr>
-            <a:normAutofit/>
+            <a:normAutofit lnSpcReduction="10%"/>
           </a:bodyPr>
           <a:lstStyle/>
           <a:p>
@@ -4231,6 +4231,17 @@
                 <a:latin typeface="+mj-lt"/>
               </a:rPr>
               <a:t>(On ne participe pas au concours)</a:t>
+            </a:r>
+          </a:p>
+          <a:p>
+            <a:pPr marL="0" indent="0" algn="ctr">
+              <a:buNone/>
+            </a:pPr>
+            <a:r>
+              <a:rPr lang="fr-FR" sz="2200" dirty="0">
+                <a:latin typeface="+mj-lt"/>
+              </a:rPr>
+              <a:t>(test sous chrome)</a:t>
             </a:r>
           </a:p>
           <a:p>
